--- a/Congress.pptx
+++ b/Congress.pptx
@@ -4136,18 +4136,21 @@
           </a:p>
           <a:p>
             <a:r>
-              <a:rPr lang="en-US" dirty="0" err="1">
+              <a:rPr lang="en-US" dirty="0">
                 <a:solidFill>
                   <a:srgbClr val="FF0000"/>
                 </a:solidFill>
               </a:rPr>
-              <a:t>JQuery</a:t>
-            </a:r>
-            <a:endParaRPr lang="en-US" dirty="0">
-              <a:solidFill>
-                <a:srgbClr val="FF0000"/>
-              </a:solidFill>
-            </a:endParaRPr>
+              <a:t>JavaScript Library</a:t>
+            </a:r>
+          </a:p>
+          <a:p>
+            <a:pPr lvl="1"/>
+            <a:r>
+              <a:rPr lang="en-US" dirty="0" err="1"/>
+              <a:t>Jquery</a:t>
+            </a:r>
+            <a:endParaRPr lang="en-US" dirty="0"/>
           </a:p>
           <a:p>
             <a:pPr marL="457200" lvl="1" indent="0">

--- a/Congress.pptx
+++ b/Congress.pptx
@@ -3610,29 +3610,6 @@
                   <a:srgbClr val="FF0000"/>
                 </a:solidFill>
               </a:rPr>
-              <a:t>Deploy to </a:t>
-            </a:r>
-            <a:r>
-              <a:rPr lang="en-US" dirty="0" err="1">
-                <a:solidFill>
-                  <a:srgbClr val="FF0000"/>
-                </a:solidFill>
-              </a:rPr>
-              <a:t>Heruko</a:t>
-            </a:r>
-            <a:endParaRPr lang="en-US" dirty="0">
-              <a:solidFill>
-                <a:srgbClr val="FF0000"/>
-              </a:solidFill>
-            </a:endParaRPr>
-          </a:p>
-          <a:p>
-            <a:r>
-              <a:rPr lang="en-US" dirty="0">
-                <a:solidFill>
-                  <a:srgbClr val="FF0000"/>
-                </a:solidFill>
-              </a:rPr>
               <a:t>Introduce Legislation Decisions</a:t>
             </a:r>
           </a:p>
@@ -4387,13 +4364,7 @@
                 <a:solidFill>
                   <a:srgbClr val="FF0000"/>
                 </a:solidFill>
-                <a:hlinkClick r:id="rId2">
-                  <a:extLst>
-                    <a:ext uri="{A12FA001-AC4F-418D-AE19-62706E023703}">
-                      <ahyp:hlinkClr xmlns:ahyp="http://schemas.microsoft.com/office/drawing/2018/hyperlinkcolor" val="tx"/>
-                    </a:ext>
-                  </a:extLst>
-                </a:hlinkClick>
+                <a:hlinkClick r:id="rId2"/>
               </a:rPr>
               <a:t>Age of Congress Dashboard</a:t>
             </a:r>
